--- a/gpu/EE817 Lecture 11 Convolution.pptx
+++ b/gpu/EE817 Lecture 11 Convolution.pptx
@@ -187,6 +187,10 @@
 </p:presentation>
 </file>
 
+<file path=ppt/revisionInfo.xml><?xml version="1.0" encoding="utf-8"?>
+<p1510:revInfo xmlns:a="http://schemas.openxmlformats.org/drawingml/2006/main" xmlns:r="http://schemas.openxmlformats.org/officeDocument/2006/relationships" xmlns:p1510="http://schemas.microsoft.com/office/powerpoint/2015/10/main"/>
+</file>
+
 <file path=ppt/handoutMasters/handoutMaster1.xml><?xml version="1.0" encoding="utf-8"?>
 <p:handoutMaster xmlns:a="http://schemas.openxmlformats.org/drawingml/2006/main" xmlns:r="http://schemas.openxmlformats.org/officeDocument/2006/relationships" xmlns:p="http://schemas.openxmlformats.org/presentationml/2006/main">
   <p:cSld>
@@ -269,7 +273,7 @@
           <a:p>
             <a:fld id="{0958D145-3F61-4970-8B92-DDA610F3EB4F}" type="datetimeFigureOut">
               <a:rPr lang="ko-KR" altLang="en-US" smtClean="0"/>
-              <a:t>2017-05-02</a:t>
+              <a:t>2017-06-11</a:t>
             </a:fld>
             <a:endParaRPr lang="ko-KR" altLang="en-US"/>
           </a:p>
@@ -464,7 +468,7 @@
               <a:pPr>
                 <a:defRPr/>
               </a:pPr>
-              <a:t>2017-05-02</a:t>
+              <a:t>2017-06-11</a:t>
             </a:fld>
             <a:endParaRPr lang="ko-KR" altLang="en-US"/>
           </a:p>
@@ -1236,7 +1240,7 @@
               <a:pPr>
                 <a:defRPr/>
               </a:pPr>
-              <a:t>5/2/2017</a:t>
+              <a:t>6/11/2017</a:t>
             </a:fld>
             <a:endParaRPr lang="en-US" altLang="ko-KR"/>
           </a:p>
@@ -1438,7 +1442,7 @@
               <a:pPr>
                 <a:defRPr/>
               </a:pPr>
-              <a:t>5/2/2017</a:t>
+              <a:t>6/11/2017</a:t>
             </a:fld>
             <a:endParaRPr lang="en-US" altLang="ko-KR"/>
           </a:p>
@@ -1871,7 +1875,7 @@
               <a:pPr>
                 <a:defRPr/>
               </a:pPr>
-              <a:t>5/2/2017</a:t>
+              <a:t>6/11/2017</a:t>
             </a:fld>
             <a:endParaRPr lang="en-US" altLang="ko-KR"/>
           </a:p>
@@ -2068,7 +2072,7 @@
               <a:pPr>
                 <a:defRPr/>
               </a:pPr>
-              <a:t>5/2/2017</a:t>
+              <a:t>6/11/2017</a:t>
             </a:fld>
             <a:endParaRPr lang="en-US" altLang="ko-KR"/>
           </a:p>
@@ -2583,7 +2587,7 @@
               <a:pPr>
                 <a:defRPr/>
               </a:pPr>
-              <a:t>5/2/2017</a:t>
+              <a:t>6/11/2017</a:t>
             </a:fld>
             <a:endParaRPr lang="en-US" altLang="ko-KR"/>
           </a:p>
@@ -2898,7 +2902,7 @@
               <a:pPr>
                 <a:defRPr/>
               </a:pPr>
-              <a:t>5/2/2017</a:t>
+              <a:t>6/11/2017</a:t>
             </a:fld>
             <a:endParaRPr lang="en-US" altLang="ko-KR"/>
           </a:p>
@@ -3401,7 +3405,7 @@
               <a:pPr>
                 <a:defRPr/>
               </a:pPr>
-              <a:t>5/2/2017</a:t>
+              <a:t>6/11/2017</a:t>
             </a:fld>
             <a:endParaRPr lang="en-US" altLang="ko-KR"/>
           </a:p>
@@ -3789,7 +3793,7 @@
               <a:pPr>
                 <a:defRPr/>
               </a:pPr>
-              <a:t>5/2/2017</a:t>
+              <a:t>6/11/2017</a:t>
             </a:fld>
             <a:endParaRPr lang="en-US" altLang="ko-KR"/>
           </a:p>
@@ -4247,7 +4251,7 @@
               <a:pPr>
                 <a:defRPr/>
               </a:pPr>
-              <a:t>5/2/2017</a:t>
+              <a:t>6/11/2017</a:t>
             </a:fld>
             <a:endParaRPr lang="en-US" altLang="ko-KR"/>
           </a:p>
@@ -4545,7 +4549,7 @@
               <a:pPr>
                 <a:defRPr/>
               </a:pPr>
-              <a:t>5/2/2017</a:t>
+              <a:t>6/11/2017</a:t>
             </a:fld>
             <a:endParaRPr lang="en-US" altLang="ko-KR"/>
           </a:p>
@@ -4875,7 +4879,7 @@
               <a:pPr>
                 <a:defRPr/>
               </a:pPr>
-              <a:t>5/2/2017</a:t>
+              <a:t>6/11/2017</a:t>
             </a:fld>
             <a:endParaRPr lang="en-US" altLang="ko-KR"/>
           </a:p>
@@ -5393,7 +5397,7 @@
               <a:pPr>
                 <a:defRPr/>
               </a:pPr>
-              <a:t>5/2/2017</a:t>
+              <a:t>6/11/2017</a:t>
             </a:fld>
             <a:endParaRPr lang="en-US" altLang="ko-KR"/>
           </a:p>
@@ -20395,7 +20399,7 @@
             </a:r>
             <a:r>
               <a:rPr lang="en-US" altLang="ko-KR" dirty="0" err="1"/>
-              <a:t>data_saze</a:t>
+              <a:t>data_size</a:t>
             </a:r>
             <a:r>
               <a:rPr lang="en-US" altLang="ko-KR" dirty="0"/>
